--- a/User authentication using Keystroke Dynamics.pptx
+++ b/User authentication using Keystroke Dynamics.pptx
@@ -5,7 +5,7 @@
     <p:sldMasterId id="2147483660" r:id="rId4"/>
   </p:sldMasterIdLst>
   <p:notesMasterIdLst>
-    <p:notesMasterId r:id="rId21"/>
+    <p:notesMasterId r:id="rId23"/>
   </p:notesMasterIdLst>
   <p:sldIdLst>
     <p:sldId id="278" r:id="rId5"/>
@@ -19,11 +19,13 @@
     <p:sldId id="287" r:id="rId13"/>
     <p:sldId id="288" r:id="rId14"/>
     <p:sldId id="289" r:id="rId15"/>
-    <p:sldId id="290" r:id="rId16"/>
-    <p:sldId id="291" r:id="rId17"/>
-    <p:sldId id="292" r:id="rId18"/>
-    <p:sldId id="293" r:id="rId19"/>
-    <p:sldId id="294" r:id="rId20"/>
+    <p:sldId id="295" r:id="rId16"/>
+    <p:sldId id="296" r:id="rId17"/>
+    <p:sldId id="290" r:id="rId18"/>
+    <p:sldId id="291" r:id="rId19"/>
+    <p:sldId id="292" r:id="rId20"/>
+    <p:sldId id="293" r:id="rId21"/>
+    <p:sldId id="294" r:id="rId22"/>
   </p:sldIdLst>
   <p:sldSz cx="12192000" cy="6858000"/>
   <p:notesSz cx="6858000" cy="9144000"/>
@@ -128,6 +130,204 @@
     </p:ext>
   </p:extLst>
 </p:presentation>
+</file>
+
+<file path=ppt/changesInfos/changesInfo1.xml><?xml version="1.0" encoding="utf-8"?>
+<pc:chgInfo xmlns:a="http://schemas.openxmlformats.org/drawingml/2006/main" xmlns:r="http://schemas.openxmlformats.org/officeDocument/2006/relationships" xmlns:ac="http://schemas.microsoft.com/office/drawing/2013/main/command" xmlns:pc="http://schemas.microsoft.com/office/powerpoint/2013/main/command">
+  <pc:docChgLst>
+    <pc:chgData name="Harshika T" userId="612f8ac0198fe6cb" providerId="LiveId" clId="{55C024E7-DAD6-4E02-9F08-9114CD9BDECB}"/>
+    <pc:docChg chg="undo custSel addSld modSld">
+      <pc:chgData name="Harshika T" userId="612f8ac0198fe6cb" providerId="LiveId" clId="{55C024E7-DAD6-4E02-9F08-9114CD9BDECB}" dt="2022-07-06T08:26:40.020" v="187" actId="20577"/>
+      <pc:docMkLst>
+        <pc:docMk/>
+      </pc:docMkLst>
+      <pc:sldChg chg="modSp mod">
+        <pc:chgData name="Harshika T" userId="612f8ac0198fe6cb" providerId="LiveId" clId="{55C024E7-DAD6-4E02-9F08-9114CD9BDECB}" dt="2022-07-06T08:26:40.020" v="187" actId="20577"/>
+        <pc:sldMkLst>
+          <pc:docMk/>
+          <pc:sldMk cId="1640024469" sldId="289"/>
+        </pc:sldMkLst>
+        <pc:spChg chg="mod">
+          <ac:chgData name="Harshika T" userId="612f8ac0198fe6cb" providerId="LiveId" clId="{55C024E7-DAD6-4E02-9F08-9114CD9BDECB}" dt="2022-07-06T08:26:40.020" v="187" actId="20577"/>
+          <ac:spMkLst>
+            <pc:docMk/>
+            <pc:sldMk cId="1640024469" sldId="289"/>
+            <ac:spMk id="3" creationId="{A3E06165-68C7-42D4-8CD7-0F2C7A8AF032}"/>
+          </ac:spMkLst>
+        </pc:spChg>
+      </pc:sldChg>
+      <pc:sldChg chg="modSp mod">
+        <pc:chgData name="Harshika T" userId="612f8ac0198fe6cb" providerId="LiveId" clId="{55C024E7-DAD6-4E02-9F08-9114CD9BDECB}" dt="2022-07-06T07:03:21.405" v="124" actId="1076"/>
+        <pc:sldMkLst>
+          <pc:docMk/>
+          <pc:sldMk cId="975011083" sldId="290"/>
+        </pc:sldMkLst>
+        <pc:picChg chg="mod">
+          <ac:chgData name="Harshika T" userId="612f8ac0198fe6cb" providerId="LiveId" clId="{55C024E7-DAD6-4E02-9F08-9114CD9BDECB}" dt="2022-07-06T07:03:21.405" v="124" actId="1076"/>
+          <ac:picMkLst>
+            <pc:docMk/>
+            <pc:sldMk cId="975011083" sldId="290"/>
+            <ac:picMk id="5" creationId="{27FA4078-E1B4-40AD-9E80-EBEA90D4DFCA}"/>
+          </ac:picMkLst>
+        </pc:picChg>
+      </pc:sldChg>
+      <pc:sldChg chg="delSp modSp mod">
+        <pc:chgData name="Harshika T" userId="612f8ac0198fe6cb" providerId="LiveId" clId="{55C024E7-DAD6-4E02-9F08-9114CD9BDECB}" dt="2022-07-06T07:36:02.689" v="132" actId="478"/>
+        <pc:sldMkLst>
+          <pc:docMk/>
+          <pc:sldMk cId="3045779430" sldId="291"/>
+        </pc:sldMkLst>
+        <pc:spChg chg="del">
+          <ac:chgData name="Harshika T" userId="612f8ac0198fe6cb" providerId="LiveId" clId="{55C024E7-DAD6-4E02-9F08-9114CD9BDECB}" dt="2022-07-06T07:36:02.689" v="132" actId="478"/>
+          <ac:spMkLst>
+            <pc:docMk/>
+            <pc:sldMk cId="3045779430" sldId="291"/>
+            <ac:spMk id="2" creationId="{2AC0C20D-0E09-43B2-BFBE-4CD039E98DA3}"/>
+          </ac:spMkLst>
+        </pc:spChg>
+        <pc:picChg chg="mod">
+          <ac:chgData name="Harshika T" userId="612f8ac0198fe6cb" providerId="LiveId" clId="{55C024E7-DAD6-4E02-9F08-9114CD9BDECB}" dt="2022-07-06T07:03:11.470" v="122" actId="1076"/>
+          <ac:picMkLst>
+            <pc:docMk/>
+            <pc:sldMk cId="3045779430" sldId="291"/>
+            <ac:picMk id="4" creationId="{8C668807-A987-4418-9FC7-914855636E92}"/>
+          </ac:picMkLst>
+        </pc:picChg>
+      </pc:sldChg>
+      <pc:sldChg chg="delSp modSp mod">
+        <pc:chgData name="Harshika T" userId="612f8ac0198fe6cb" providerId="LiveId" clId="{55C024E7-DAD6-4E02-9F08-9114CD9BDECB}" dt="2022-07-06T07:35:55.386" v="131" actId="478"/>
+        <pc:sldMkLst>
+          <pc:docMk/>
+          <pc:sldMk cId="3836324296" sldId="292"/>
+        </pc:sldMkLst>
+        <pc:spChg chg="del">
+          <ac:chgData name="Harshika T" userId="612f8ac0198fe6cb" providerId="LiveId" clId="{55C024E7-DAD6-4E02-9F08-9114CD9BDECB}" dt="2022-07-06T07:35:55.386" v="131" actId="478"/>
+          <ac:spMkLst>
+            <pc:docMk/>
+            <pc:sldMk cId="3836324296" sldId="292"/>
+            <ac:spMk id="2" creationId="{890D47D4-0A71-40B8-BCDE-8A2DD3568578}"/>
+          </ac:spMkLst>
+        </pc:spChg>
+        <pc:spChg chg="del">
+          <ac:chgData name="Harshika T" userId="612f8ac0198fe6cb" providerId="LiveId" clId="{55C024E7-DAD6-4E02-9F08-9114CD9BDECB}" dt="2022-07-06T07:35:53.088" v="130" actId="478"/>
+          <ac:spMkLst>
+            <pc:docMk/>
+            <pc:sldMk cId="3836324296" sldId="292"/>
+            <ac:spMk id="3" creationId="{D343D3BE-6868-4A8F-BA31-1AFA67B335EC}"/>
+          </ac:spMkLst>
+        </pc:spChg>
+        <pc:picChg chg="mod">
+          <ac:chgData name="Harshika T" userId="612f8ac0198fe6cb" providerId="LiveId" clId="{55C024E7-DAD6-4E02-9F08-9114CD9BDECB}" dt="2022-07-06T07:03:02.016" v="120" actId="1076"/>
+          <ac:picMkLst>
+            <pc:docMk/>
+            <pc:sldMk cId="3836324296" sldId="292"/>
+            <ac:picMk id="4" creationId="{EE3BEFBE-4E74-45DE-BC9B-A7F401F05C9C}"/>
+          </ac:picMkLst>
+        </pc:picChg>
+      </pc:sldChg>
+      <pc:sldChg chg="addSp delSp modSp mod">
+        <pc:chgData name="Harshika T" userId="612f8ac0198fe6cb" providerId="LiveId" clId="{55C024E7-DAD6-4E02-9F08-9114CD9BDECB}" dt="2022-07-06T07:36:20.241" v="136" actId="478"/>
+        <pc:sldMkLst>
+          <pc:docMk/>
+          <pc:sldMk cId="1231183169" sldId="293"/>
+        </pc:sldMkLst>
+        <pc:spChg chg="del">
+          <ac:chgData name="Harshika T" userId="612f8ac0198fe6cb" providerId="LiveId" clId="{55C024E7-DAD6-4E02-9F08-9114CD9BDECB}" dt="2022-07-06T07:36:20.241" v="136" actId="478"/>
+          <ac:spMkLst>
+            <pc:docMk/>
+            <pc:sldMk cId="1231183169" sldId="293"/>
+            <ac:spMk id="2" creationId="{D300FC70-323B-4626-9F59-C01209143877}"/>
+          </ac:spMkLst>
+        </pc:spChg>
+        <pc:spChg chg="del">
+          <ac:chgData name="Harshika T" userId="612f8ac0198fe6cb" providerId="LiveId" clId="{55C024E7-DAD6-4E02-9F08-9114CD9BDECB}" dt="2022-07-06T07:36:17.640" v="135" actId="478"/>
+          <ac:spMkLst>
+            <pc:docMk/>
+            <pc:sldMk cId="1231183169" sldId="293"/>
+            <ac:spMk id="3" creationId="{F4145F4F-368C-429F-AD6E-CCE69A881429}"/>
+          </ac:spMkLst>
+        </pc:spChg>
+        <pc:picChg chg="add del mod">
+          <ac:chgData name="Harshika T" userId="612f8ac0198fe6cb" providerId="LiveId" clId="{55C024E7-DAD6-4E02-9F08-9114CD9BDECB}" dt="2022-07-06T07:36:12.864" v="134" actId="478"/>
+          <ac:picMkLst>
+            <pc:docMk/>
+            <pc:sldMk cId="1231183169" sldId="293"/>
+            <ac:picMk id="4" creationId="{8B394E88-B1EC-4191-88A7-71463F691A3A}"/>
+          </ac:picMkLst>
+        </pc:picChg>
+      </pc:sldChg>
+      <pc:sldChg chg="delSp modSp mod">
+        <pc:chgData name="Harshika T" userId="612f8ac0198fe6cb" providerId="LiveId" clId="{55C024E7-DAD6-4E02-9F08-9114CD9BDECB}" dt="2022-07-06T07:36:26.512" v="137" actId="478"/>
+        <pc:sldMkLst>
+          <pc:docMk/>
+          <pc:sldMk cId="3950800708" sldId="294"/>
+        </pc:sldMkLst>
+        <pc:spChg chg="del">
+          <ac:chgData name="Harshika T" userId="612f8ac0198fe6cb" providerId="LiveId" clId="{55C024E7-DAD6-4E02-9F08-9114CD9BDECB}" dt="2022-07-06T07:36:26.512" v="137" actId="478"/>
+          <ac:spMkLst>
+            <pc:docMk/>
+            <pc:sldMk cId="3950800708" sldId="294"/>
+            <ac:spMk id="2" creationId="{6BC58BDB-9914-4B5A-A97D-3D0A0E8C5E97}"/>
+          </ac:spMkLst>
+        </pc:spChg>
+        <pc:picChg chg="mod">
+          <ac:chgData name="Harshika T" userId="612f8ac0198fe6cb" providerId="LiveId" clId="{55C024E7-DAD6-4E02-9F08-9114CD9BDECB}" dt="2022-07-06T07:03:48.795" v="129" actId="14100"/>
+          <ac:picMkLst>
+            <pc:docMk/>
+            <pc:sldMk cId="3950800708" sldId="294"/>
+            <ac:picMk id="4" creationId="{776D7F07-B515-41EE-BC22-4DB8B5F9DBED}"/>
+          </ac:picMkLst>
+        </pc:picChg>
+      </pc:sldChg>
+      <pc:sldChg chg="modSp new mod">
+        <pc:chgData name="Harshika T" userId="612f8ac0198fe6cb" providerId="LiveId" clId="{55C024E7-DAD6-4E02-9F08-9114CD9BDECB}" dt="2022-07-06T06:52:30.091" v="109"/>
+        <pc:sldMkLst>
+          <pc:docMk/>
+          <pc:sldMk cId="3715859088" sldId="295"/>
+        </pc:sldMkLst>
+        <pc:spChg chg="mod">
+          <ac:chgData name="Harshika T" userId="612f8ac0198fe6cb" providerId="LiveId" clId="{55C024E7-DAD6-4E02-9F08-9114CD9BDECB}" dt="2022-07-06T06:51:53.860" v="108" actId="20577"/>
+          <ac:spMkLst>
+            <pc:docMk/>
+            <pc:sldMk cId="3715859088" sldId="295"/>
+            <ac:spMk id="2" creationId="{CEFB436B-396B-4A48-AEFF-9D71B301A5DE}"/>
+          </ac:spMkLst>
+        </pc:spChg>
+        <pc:spChg chg="mod">
+          <ac:chgData name="Harshika T" userId="612f8ac0198fe6cb" providerId="LiveId" clId="{55C024E7-DAD6-4E02-9F08-9114CD9BDECB}" dt="2022-07-06T06:52:30.091" v="109"/>
+          <ac:spMkLst>
+            <pc:docMk/>
+            <pc:sldMk cId="3715859088" sldId="295"/>
+            <ac:spMk id="3" creationId="{CD431262-5134-4A3C-A617-BA078C9DB812}"/>
+          </ac:spMkLst>
+        </pc:spChg>
+      </pc:sldChg>
+      <pc:sldChg chg="delSp modSp new mod">
+        <pc:chgData name="Harshika T" userId="612f8ac0198fe6cb" providerId="LiveId" clId="{55C024E7-DAD6-4E02-9F08-9114CD9BDECB}" dt="2022-07-06T06:54:29.212" v="117" actId="20577"/>
+        <pc:sldMkLst>
+          <pc:docMk/>
+          <pc:sldMk cId="3677701843" sldId="296"/>
+        </pc:sldMkLst>
+        <pc:spChg chg="del">
+          <ac:chgData name="Harshika T" userId="612f8ac0198fe6cb" providerId="LiveId" clId="{55C024E7-DAD6-4E02-9F08-9114CD9BDECB}" dt="2022-07-06T06:54:14.147" v="112" actId="478"/>
+          <ac:spMkLst>
+            <pc:docMk/>
+            <pc:sldMk cId="3677701843" sldId="296"/>
+            <ac:spMk id="2" creationId="{1B74D266-620E-4FB0-930D-EAE79DC60F69}"/>
+          </ac:spMkLst>
+        </pc:spChg>
+        <pc:spChg chg="mod">
+          <ac:chgData name="Harshika T" userId="612f8ac0198fe6cb" providerId="LiveId" clId="{55C024E7-DAD6-4E02-9F08-9114CD9BDECB}" dt="2022-07-06T06:54:29.212" v="117" actId="20577"/>
+          <ac:spMkLst>
+            <pc:docMk/>
+            <pc:sldMk cId="3677701843" sldId="296"/>
+            <ac:spMk id="3" creationId="{8A125198-B608-4E1A-9FAC-81E33A8B5C86}"/>
+          </ac:spMkLst>
+        </pc:spChg>
+      </pc:sldChg>
+    </pc:docChg>
+  </pc:docChgLst>
+</pc:chgInfo>
 </file>
 
 <file path=ppt/notesMasters/notesMaster1.xml><?xml version="1.0" encoding="utf-8"?>
@@ -6492,7 +6692,7 @@
           </a:effectLst>
           <a:extLst>
             <a:ext uri="{91240B29-F687-4f45-9708-019B960494DF}">
-              <a14:hiddenLine xmlns="" xmlns:a14="http://schemas.microsoft.com/office/drawing/2010/main" xmlns:p14="http://schemas.microsoft.com/office/powerpoint/2010/main" xmlns:a16="http://schemas.microsoft.com/office/drawing/2014/main" w="9525">
+              <a14:hiddenLine xmlns:a16="http://schemas.microsoft.com/office/drawing/2014/main" xmlns:p14="http://schemas.microsoft.com/office/powerpoint/2010/main" xmlns:a14="http://schemas.microsoft.com/office/drawing/2010/main" xmlns="" w="9525">
                 <a:solidFill>
                   <a:srgbClr val="000000"/>
                 </a:solidFill>
@@ -6814,7 +7014,36 @@
           <a:bodyPr/>
           <a:lstStyle/>
           <a:p>
-            <a:endParaRPr lang="en-IN"/>
+            <a:r>
+              <a:rPr lang="en-IN" dirty="0"/>
+              <a:t>UI is designed by using </a:t>
+            </a:r>
+            <a:r>
+              <a:rPr lang="en-IN" dirty="0" err="1"/>
+              <a:t>html,css,javascript</a:t>
+            </a:r>
+            <a:r>
+              <a:rPr lang="en-IN" dirty="0"/>
+              <a:t> and it is connected by using Flask.</a:t>
+            </a:r>
+          </a:p>
+          <a:p>
+            <a:r>
+              <a:rPr lang="en-IN" dirty="0"/>
+              <a:t>Modules:</a:t>
+            </a:r>
+          </a:p>
+          <a:p>
+            <a:r>
+              <a:rPr lang="en-IN" dirty="0"/>
+              <a:t>Registration phase</a:t>
+            </a:r>
+          </a:p>
+          <a:p>
+            <a:r>
+              <a:rPr lang="en-IN" dirty="0"/>
+              <a:t>Verification phase</a:t>
+            </a:r>
           </a:p>
         </p:txBody>
       </p:sp>
@@ -6853,7 +7082,7 @@
           <p:cNvPr id="2" name="Title 1">
             <a:extLst>
               <a:ext uri="{FF2B5EF4-FFF2-40B4-BE49-F238E27FC236}">
-                <a16:creationId xmlns:a16="http://schemas.microsoft.com/office/drawing/2014/main" id="{2679FCE1-5033-401E-81D9-1C385E335B44}"/>
+                <a16:creationId xmlns:a16="http://schemas.microsoft.com/office/drawing/2014/main" id="{CEFB436B-396B-4A48-AEFF-9D71B301A5DE}"/>
               </a:ext>
             </a:extLst>
           </p:cNvPr>
@@ -6871,44 +7100,49 @@
           <a:p>
             <a:r>
               <a:rPr lang="en-IN" dirty="0"/>
-              <a:t>Screenshots</a:t>
-            </a:r>
-          </a:p>
-        </p:txBody>
-      </p:sp>
-      <p:pic>
-        <p:nvPicPr>
-          <p:cNvPr id="5" name="Content Placeholder 4">
+              <a:t>Methodology</a:t>
+            </a:r>
+          </a:p>
+        </p:txBody>
+      </p:sp>
+      <p:sp>
+        <p:nvSpPr>
+          <p:cNvPr id="3" name="Content Placeholder 2">
             <a:extLst>
               <a:ext uri="{FF2B5EF4-FFF2-40B4-BE49-F238E27FC236}">
-                <a16:creationId xmlns:a16="http://schemas.microsoft.com/office/drawing/2014/main" id="{27FA4078-E1B4-40AD-9E80-EBEA90D4DFCA}"/>
+                <a16:creationId xmlns:a16="http://schemas.microsoft.com/office/drawing/2014/main" id="{CD431262-5134-4A3C-A617-BA078C9DB812}"/>
               </a:ext>
             </a:extLst>
           </p:cNvPr>
-          <p:cNvPicPr>
-            <a:picLocks noGrp="1" noChangeAspect="1"/>
-          </p:cNvPicPr>
+          <p:cNvSpPr>
+            <a:spLocks noGrp="1"/>
+          </p:cNvSpPr>
           <p:nvPr>
             <p:ph idx="1"/>
           </p:nvPr>
-        </p:nvPicPr>
-        <p:blipFill>
-          <a:blip r:embed="rId2"/>
-          <a:stretch>
-            <a:fillRect/>
-          </a:stretch>
-        </p:blipFill>
-        <p:spPr>
-          <a:xfrm>
-            <a:off x="2952754" y="1776450"/>
-            <a:ext cx="6607224" cy="3714750"/>
-          </a:xfrm>
-        </p:spPr>
-      </p:pic>
+        </p:nvSpPr>
+        <p:spPr/>
+        <p:txBody>
+          <a:bodyPr/>
+          <a:lstStyle/>
+          <a:p>
+            <a:r>
+              <a:rPr lang="en-IN" sz="2400" dirty="0">
+                <a:latin typeface="Arial" panose="020B0604020202020204" pitchFamily="34" charset="0"/>
+                <a:cs typeface="Arial" panose="020B0604020202020204" pitchFamily="34" charset="0"/>
+              </a:rPr>
+              <a:t>This model is used to secure the password of the user. A user can only access his or her account because of the unique typing way of each. In this system the model collect the method of typing and speed  by providing phrase to the user by typing it . The way of typing time and speed are understand from it and stored. Then in login time other than username and password we should also type the phrase. If this matches then the model will give the access. Through this model we can avoid the un authenticated access .It provide more security.</a:t>
+            </a:r>
+          </a:p>
+          <a:p>
+            <a:endParaRPr lang="en-IN" dirty="0"/>
+          </a:p>
+        </p:txBody>
+      </p:sp>
     </p:spTree>
     <p:extLst>
       <p:ext uri="{BB962C8B-B14F-4D97-AF65-F5344CB8AC3E}">
-        <p14:creationId xmlns:p14="http://schemas.microsoft.com/office/powerpoint/2010/main" val="975011083"/>
+        <p14:creationId xmlns:p14="http://schemas.microsoft.com/office/powerpoint/2010/main" val="3715859088"/>
       </p:ext>
     </p:extLst>
   </p:cSld>
@@ -6937,10 +7171,10 @@
       </p:grpSpPr>
       <p:sp>
         <p:nvSpPr>
-          <p:cNvPr id="2" name="Title 1">
+          <p:cNvPr id="3" name="Content Placeholder 2">
             <a:extLst>
               <a:ext uri="{FF2B5EF4-FFF2-40B4-BE49-F238E27FC236}">
-                <a16:creationId xmlns:a16="http://schemas.microsoft.com/office/drawing/2014/main" id="{2AC0C20D-0E09-43B2-BFBE-4CD039E98DA3}"/>
+                <a16:creationId xmlns:a16="http://schemas.microsoft.com/office/drawing/2014/main" id="{8A125198-B608-4E1A-9FAC-81E33A8B5C86}"/>
               </a:ext>
             </a:extLst>
           </p:cNvPr>
@@ -6948,7 +7182,7 @@
             <a:spLocks noGrp="1"/>
           </p:cNvSpPr>
           <p:nvPr>
-            <p:ph type="title"/>
+            <p:ph idx="1"/>
           </p:nvPr>
         </p:nvSpPr>
         <p:spPr/>
@@ -6956,46 +7190,34 @@
           <a:bodyPr/>
           <a:lstStyle/>
           <a:p>
-            <a:endParaRPr lang="en-IN"/>
-          </a:p>
-        </p:txBody>
-      </p:sp>
-      <p:pic>
-        <p:nvPicPr>
-          <p:cNvPr id="4" name="Content Placeholder 3">
-            <a:extLst>
-              <a:ext uri="{FF2B5EF4-FFF2-40B4-BE49-F238E27FC236}">
-                <a16:creationId xmlns:a16="http://schemas.microsoft.com/office/drawing/2014/main" id="{8C668807-A987-4418-9FC7-914855636E92}"/>
-              </a:ext>
-            </a:extLst>
-          </p:cNvPr>
-          <p:cNvPicPr>
-            <a:picLocks noGrp="1" noChangeAspect="1"/>
-          </p:cNvPicPr>
-          <p:nvPr>
-            <p:ph idx="1"/>
-          </p:nvPr>
-        </p:nvPicPr>
-        <p:blipFill>
-          <a:blip r:embed="rId2"/>
-          <a:stretch>
-            <a:fillRect/>
-          </a:stretch>
-        </p:blipFill>
-        <p:spPr>
-          <a:xfrm>
-            <a:off x="2787625" y="2076450"/>
-            <a:ext cx="6607224" cy="3714750"/>
-          </a:xfrm>
-          <a:prstGeom prst="rect">
-            <a:avLst/>
-          </a:prstGeom>
-        </p:spPr>
-      </p:pic>
+            <a:r>
+              <a:rPr lang="en-IN" sz="2400" dirty="0">
+                <a:latin typeface="Arial" panose="020B0604020202020204" pitchFamily="34" charset="0"/>
+                <a:cs typeface="Arial" panose="020B0604020202020204" pitchFamily="34" charset="0"/>
+              </a:rPr>
+              <a:t>It consist of many phases like registration, verification, analysing etc. Here the dataset is extracted at the registration time. The input is given by the user and it is collected and stored in the database.</a:t>
+            </a:r>
+          </a:p>
+          <a:p>
+            <a:r>
+              <a:rPr lang="en-IN" sz="2400" dirty="0">
+                <a:effectLst/>
+                <a:latin typeface="Arial" panose="020B0604020202020204" pitchFamily="34" charset="0"/>
+                <a:ea typeface="Times New Roman" panose="02020603050405020304" pitchFamily="18" charset="0"/>
+                <a:cs typeface="Arial" panose="020B0604020202020204" pitchFamily="34" charset="0"/>
+              </a:rPr>
+              <a:t>Various standard machine learning algorithms are used to keystroke identification. Among the selected algorithms, the Decision Tree provided the best accuracy. Decision tree is the most powerful and popular tool for classification and prediction.</a:t>
+            </a:r>
+          </a:p>
+          <a:p>
+            <a:endParaRPr lang="en-IN" dirty="0"/>
+          </a:p>
+        </p:txBody>
+      </p:sp>
     </p:spTree>
     <p:extLst>
       <p:ext uri="{BB962C8B-B14F-4D97-AF65-F5344CB8AC3E}">
-        <p14:creationId xmlns:p14="http://schemas.microsoft.com/office/powerpoint/2010/main" val="3045779430"/>
+        <p14:creationId xmlns:p14="http://schemas.microsoft.com/office/powerpoint/2010/main" val="3677701843"/>
       </p:ext>
     </p:extLst>
   </p:cSld>
@@ -7027,7 +7249,7 @@
           <p:cNvPr id="2" name="Title 1">
             <a:extLst>
               <a:ext uri="{FF2B5EF4-FFF2-40B4-BE49-F238E27FC236}">
-                <a16:creationId xmlns:a16="http://schemas.microsoft.com/office/drawing/2014/main" id="{890D47D4-0A71-40B8-BCDE-8A2DD3568578}"/>
+                <a16:creationId xmlns:a16="http://schemas.microsoft.com/office/drawing/2014/main" id="{2679FCE1-5033-401E-81D9-1C385E335B44}"/>
               </a:ext>
             </a:extLst>
           </p:cNvPr>
@@ -7043,48 +7265,28 @@
           <a:bodyPr/>
           <a:lstStyle/>
           <a:p>
-            <a:endParaRPr lang="en-IN"/>
-          </a:p>
-        </p:txBody>
-      </p:sp>
-      <p:sp>
-        <p:nvSpPr>
-          <p:cNvPr id="3" name="Content Placeholder 2">
+            <a:r>
+              <a:rPr lang="en-IN" dirty="0"/>
+              <a:t>Screenshots</a:t>
+            </a:r>
+          </a:p>
+        </p:txBody>
+      </p:sp>
+      <p:pic>
+        <p:nvPicPr>
+          <p:cNvPr id="5" name="Content Placeholder 4">
             <a:extLst>
               <a:ext uri="{FF2B5EF4-FFF2-40B4-BE49-F238E27FC236}">
-                <a16:creationId xmlns:a16="http://schemas.microsoft.com/office/drawing/2014/main" id="{D343D3BE-6868-4A8F-BA31-1AFA67B335EC}"/>
-              </a:ext>
-            </a:extLst>
-          </p:cNvPr>
-          <p:cNvSpPr>
-            <a:spLocks noGrp="1"/>
-          </p:cNvSpPr>
-          <p:nvPr>
-            <p:ph idx="1"/>
-          </p:nvPr>
-        </p:nvSpPr>
-        <p:spPr/>
-        <p:txBody>
-          <a:bodyPr/>
-          <a:lstStyle/>
-          <a:p>
-            <a:endParaRPr lang="en-IN"/>
-          </a:p>
-        </p:txBody>
-      </p:sp>
-      <p:pic>
-        <p:nvPicPr>
-          <p:cNvPr id="4" name="Picture 3">
-            <a:extLst>
-              <a:ext uri="{FF2B5EF4-FFF2-40B4-BE49-F238E27FC236}">
-                <a16:creationId xmlns:a16="http://schemas.microsoft.com/office/drawing/2014/main" id="{EE3BEFBE-4E74-45DE-BC9B-A7F401F05C9C}"/>
+                <a16:creationId xmlns:a16="http://schemas.microsoft.com/office/drawing/2014/main" id="{27FA4078-E1B4-40AD-9E80-EBEA90D4DFCA}"/>
               </a:ext>
             </a:extLst>
           </p:cNvPr>
           <p:cNvPicPr>
-            <a:picLocks noChangeAspect="1"/>
+            <a:picLocks noGrp="1" noChangeAspect="1"/>
           </p:cNvPicPr>
-          <p:nvPr/>
+          <p:nvPr>
+            <p:ph idx="1"/>
+          </p:nvPr>
         </p:nvPicPr>
         <p:blipFill>
           <a:blip r:embed="rId2"/>
@@ -7094,18 +7296,15 @@
         </p:blipFill>
         <p:spPr>
           <a:xfrm>
-            <a:off x="2986930" y="2317676"/>
-            <a:ext cx="5749107" cy="3232295"/>
+            <a:off x="544158" y="310606"/>
+            <a:ext cx="11093036" cy="6236788"/>
           </a:xfrm>
-          <a:prstGeom prst="rect">
-            <a:avLst/>
-          </a:prstGeom>
         </p:spPr>
       </p:pic>
     </p:spTree>
     <p:extLst>
       <p:ext uri="{BB962C8B-B14F-4D97-AF65-F5344CB8AC3E}">
-        <p14:creationId xmlns:p14="http://schemas.microsoft.com/office/powerpoint/2010/main" val="3836324296"/>
+        <p14:creationId xmlns:p14="http://schemas.microsoft.com/office/powerpoint/2010/main" val="975011083"/>
       </p:ext>
     </p:extLst>
   </p:cSld>
@@ -7132,69 +7331,21 @@
           <a:chExt cx="0" cy="0"/>
         </a:xfrm>
       </p:grpSpPr>
-      <p:sp>
-        <p:nvSpPr>
-          <p:cNvPr id="2" name="Title 1">
+      <p:pic>
+        <p:nvPicPr>
+          <p:cNvPr id="4" name="Content Placeholder 3">
             <a:extLst>
               <a:ext uri="{FF2B5EF4-FFF2-40B4-BE49-F238E27FC236}">
-                <a16:creationId xmlns:a16="http://schemas.microsoft.com/office/drawing/2014/main" id="{D300FC70-323B-4626-9F59-C01209143877}"/>
-              </a:ext>
-            </a:extLst>
-          </p:cNvPr>
-          <p:cNvSpPr>
-            <a:spLocks noGrp="1"/>
-          </p:cNvSpPr>
-          <p:nvPr>
-            <p:ph type="title"/>
-          </p:nvPr>
-        </p:nvSpPr>
-        <p:spPr/>
-        <p:txBody>
-          <a:bodyPr/>
-          <a:lstStyle/>
-          <a:p>
-            <a:endParaRPr lang="en-IN"/>
-          </a:p>
-        </p:txBody>
-      </p:sp>
-      <p:sp>
-        <p:nvSpPr>
-          <p:cNvPr id="3" name="Content Placeholder 2">
-            <a:extLst>
-              <a:ext uri="{FF2B5EF4-FFF2-40B4-BE49-F238E27FC236}">
-                <a16:creationId xmlns:a16="http://schemas.microsoft.com/office/drawing/2014/main" id="{F4145F4F-368C-429F-AD6E-CCE69A881429}"/>
-              </a:ext>
-            </a:extLst>
-          </p:cNvPr>
-          <p:cNvSpPr>
-            <a:spLocks noGrp="1"/>
-          </p:cNvSpPr>
-          <p:nvPr>
-            <p:ph idx="1"/>
-          </p:nvPr>
-        </p:nvSpPr>
-        <p:spPr/>
-        <p:txBody>
-          <a:bodyPr/>
-          <a:lstStyle/>
-          <a:p>
-            <a:endParaRPr lang="en-IN"/>
-          </a:p>
-        </p:txBody>
-      </p:sp>
-      <p:pic>
-        <p:nvPicPr>
-          <p:cNvPr id="4" name="Picture 3">
-            <a:extLst>
-              <a:ext uri="{FF2B5EF4-FFF2-40B4-BE49-F238E27FC236}">
-                <a16:creationId xmlns:a16="http://schemas.microsoft.com/office/drawing/2014/main" id="{8B394E88-B1EC-4191-88A7-71463F691A3A}"/>
+                <a16:creationId xmlns:a16="http://schemas.microsoft.com/office/drawing/2014/main" id="{8C668807-A987-4418-9FC7-914855636E92}"/>
               </a:ext>
             </a:extLst>
           </p:cNvPr>
           <p:cNvPicPr>
-            <a:picLocks noChangeAspect="1"/>
+            <a:picLocks noGrp="1" noChangeAspect="1"/>
           </p:cNvPicPr>
-          <p:nvPr/>
+          <p:nvPr>
+            <p:ph idx="1"/>
+          </p:nvPr>
         </p:nvPicPr>
         <p:blipFill>
           <a:blip r:embed="rId2"/>
@@ -7204,8 +7355,8 @@
         </p:blipFill>
         <p:spPr>
           <a:xfrm>
-            <a:off x="3125236" y="2456707"/>
-            <a:ext cx="5930880" cy="3334492"/>
+            <a:off x="913795" y="422030"/>
+            <a:ext cx="10075300" cy="5664591"/>
           </a:xfrm>
           <a:prstGeom prst="rect">
             <a:avLst/>
@@ -7215,7 +7366,7 @@
     </p:spTree>
     <p:extLst>
       <p:ext uri="{BB962C8B-B14F-4D97-AF65-F5344CB8AC3E}">
-        <p14:creationId xmlns:p14="http://schemas.microsoft.com/office/powerpoint/2010/main" val="1231183169"/>
+        <p14:creationId xmlns:p14="http://schemas.microsoft.com/office/powerpoint/2010/main" val="3045779430"/>
       </p:ext>
     </p:extLst>
   </p:cSld>
@@ -7242,31 +7393,126 @@
           <a:chExt cx="0" cy="0"/>
         </a:xfrm>
       </p:grpSpPr>
-      <p:sp>
-        <p:nvSpPr>
-          <p:cNvPr id="2" name="Title 1">
+      <p:pic>
+        <p:nvPicPr>
+          <p:cNvPr id="4" name="Picture 3">
             <a:extLst>
               <a:ext uri="{FF2B5EF4-FFF2-40B4-BE49-F238E27FC236}">
-                <a16:creationId xmlns:a16="http://schemas.microsoft.com/office/drawing/2014/main" id="{6BC58BDB-9914-4B5A-A97D-3D0A0E8C5E97}"/>
+                <a16:creationId xmlns:a16="http://schemas.microsoft.com/office/drawing/2014/main" id="{EE3BEFBE-4E74-45DE-BC9B-A7F401F05C9C}"/>
               </a:ext>
             </a:extLst>
           </p:cNvPr>
-          <p:cNvSpPr>
-            <a:spLocks noGrp="1"/>
-          </p:cNvSpPr>
-          <p:nvPr>
-            <p:ph type="title"/>
-          </p:nvPr>
-        </p:nvSpPr>
-        <p:spPr/>
-        <p:txBody>
-          <a:bodyPr/>
-          <a:lstStyle/>
-          <a:p>
-            <a:endParaRPr lang="en-IN"/>
-          </a:p>
-        </p:txBody>
-      </p:sp>
+          <p:cNvPicPr>
+            <a:picLocks noChangeAspect="1"/>
+          </p:cNvPicPr>
+          <p:nvPr/>
+        </p:nvPicPr>
+        <p:blipFill>
+          <a:blip r:embed="rId2"/>
+          <a:stretch>
+            <a:fillRect/>
+          </a:stretch>
+        </p:blipFill>
+        <p:spPr>
+          <a:xfrm>
+            <a:off x="1063924" y="731522"/>
+            <a:ext cx="9812570" cy="5516878"/>
+          </a:xfrm>
+          <a:prstGeom prst="rect">
+            <a:avLst/>
+          </a:prstGeom>
+        </p:spPr>
+      </p:pic>
+    </p:spTree>
+    <p:extLst>
+      <p:ext uri="{BB962C8B-B14F-4D97-AF65-F5344CB8AC3E}">
+        <p14:creationId xmlns:p14="http://schemas.microsoft.com/office/powerpoint/2010/main" val="3836324296"/>
+      </p:ext>
+    </p:extLst>
+  </p:cSld>
+  <p:clrMapOvr>
+    <a:masterClrMapping/>
+  </p:clrMapOvr>
+</p:sld>
+</file>
+
+<file path=ppt/slides/slide17.xml><?xml version="1.0" encoding="utf-8"?>
+<p:sld xmlns:a="http://schemas.openxmlformats.org/drawingml/2006/main" xmlns:r="http://schemas.openxmlformats.org/officeDocument/2006/relationships" xmlns:p="http://schemas.openxmlformats.org/presentationml/2006/main">
+  <p:cSld>
+    <p:spTree>
+      <p:nvGrpSpPr>
+        <p:cNvPr id="1" name=""/>
+        <p:cNvGrpSpPr/>
+        <p:nvPr/>
+      </p:nvGrpSpPr>
+      <p:grpSpPr>
+        <a:xfrm>
+          <a:off x="0" y="0"/>
+          <a:ext cx="0" cy="0"/>
+          <a:chOff x="0" y="0"/>
+          <a:chExt cx="0" cy="0"/>
+        </a:xfrm>
+      </p:grpSpPr>
+      <p:pic>
+        <p:nvPicPr>
+          <p:cNvPr id="4" name="Picture 3">
+            <a:extLst>
+              <a:ext uri="{FF2B5EF4-FFF2-40B4-BE49-F238E27FC236}">
+                <a16:creationId xmlns:a16="http://schemas.microsoft.com/office/drawing/2014/main" id="{8B394E88-B1EC-4191-88A7-71463F691A3A}"/>
+              </a:ext>
+            </a:extLst>
+          </p:cNvPr>
+          <p:cNvPicPr>
+            <a:picLocks noChangeAspect="1"/>
+          </p:cNvPicPr>
+          <p:nvPr/>
+        </p:nvPicPr>
+        <p:blipFill>
+          <a:blip r:embed="rId2"/>
+          <a:stretch>
+            <a:fillRect/>
+          </a:stretch>
+        </p:blipFill>
+        <p:spPr>
+          <a:xfrm>
+            <a:off x="913795" y="533400"/>
+            <a:ext cx="10300491" cy="5791199"/>
+          </a:xfrm>
+          <a:prstGeom prst="rect">
+            <a:avLst/>
+          </a:prstGeom>
+        </p:spPr>
+      </p:pic>
+    </p:spTree>
+    <p:extLst>
+      <p:ext uri="{BB962C8B-B14F-4D97-AF65-F5344CB8AC3E}">
+        <p14:creationId xmlns:p14="http://schemas.microsoft.com/office/powerpoint/2010/main" val="1231183169"/>
+      </p:ext>
+    </p:extLst>
+  </p:cSld>
+  <p:clrMapOvr>
+    <a:masterClrMapping/>
+  </p:clrMapOvr>
+</p:sld>
+</file>
+
+<file path=ppt/slides/slide18.xml><?xml version="1.0" encoding="utf-8"?>
+<p:sld xmlns:a="http://schemas.openxmlformats.org/drawingml/2006/main" xmlns:r="http://schemas.openxmlformats.org/officeDocument/2006/relationships" xmlns:p="http://schemas.openxmlformats.org/presentationml/2006/main">
+  <p:cSld>
+    <p:spTree>
+      <p:nvGrpSpPr>
+        <p:cNvPr id="1" name=""/>
+        <p:cNvGrpSpPr/>
+        <p:nvPr/>
+      </p:nvGrpSpPr>
+      <p:grpSpPr>
+        <a:xfrm>
+          <a:off x="0" y="0"/>
+          <a:ext cx="0" cy="0"/>
+          <a:chOff x="0" y="0"/>
+          <a:chExt cx="0" cy="0"/>
+        </a:xfrm>
+      </p:grpSpPr>
       <p:pic>
         <p:nvPicPr>
           <p:cNvPr id="4" name="Content Placeholder 3">
@@ -7291,8 +7537,8 @@
         </p:blipFill>
         <p:spPr>
           <a:xfrm>
-            <a:off x="2787625" y="2130482"/>
-            <a:ext cx="6511120" cy="3660718"/>
+            <a:off x="1451194" y="831837"/>
+            <a:ext cx="9634147" cy="5416564"/>
           </a:xfrm>
           <a:prstGeom prst="rect">
             <a:avLst/>
@@ -9096,6 +9342,15 @@
 </file>
 
 <file path=customXml/item1.xml><?xml version="1.0" encoding="utf-8"?>
+<p:properties xmlns:p="http://schemas.microsoft.com/office/2006/metadata/properties" xmlns:xsi="http://www.w3.org/2001/XMLSchema-instance" xmlns:pc="http://schemas.microsoft.com/office/infopath/2007/PartnerControls">
+  <documentManagement>
+    <Status xmlns="71af3243-3dd4-4a8d-8c0d-dd76da1f02a5">Not started</Status>
+    <MediaServiceKeyPoints xmlns="71af3243-3dd4-4a8d-8c0d-dd76da1f02a5" xsi:nil="true"/>
+  </documentManagement>
+</p:properties>
+</file>
+
+<file path=customXml/item2.xml><?xml version="1.0" encoding="utf-8"?>
 <ct:contentTypeSchema xmlns:ct="http://schemas.microsoft.com/office/2006/metadata/contentType" xmlns:ma="http://schemas.microsoft.com/office/2006/metadata/properties/metaAttributes" ct:_="" ma:_="" ma:contentTypeName="Document" ma:contentTypeID="0x01010079F111ED35F8CC479449609E8A0923A6" ma:contentTypeVersion="12" ma:contentTypeDescription="Create a new document." ma:contentTypeScope="" ma:versionID="a410dd7f93c95333ffa1b60ed6adedd1">
   <xsd:schema xmlns:xsd="http://www.w3.org/2001/XMLSchema" xmlns:xs="http://www.w3.org/2001/XMLSchema" xmlns:p="http://schemas.microsoft.com/office/2006/metadata/properties" xmlns:ns2="71af3243-3dd4-4a8d-8c0d-dd76da1f02a5" xmlns:ns3="16c05727-aa75-4e4a-9b5f-8a80a1165891" targetNamespace="http://schemas.microsoft.com/office/2006/metadata/properties" ma:root="true" ma:fieldsID="a936d9baba76aa3866493feff160faab" ns2:_="" ns3:_="">
     <xsd:import namespace="71af3243-3dd4-4a8d-8c0d-dd76da1f02a5"/>
@@ -9316,15 +9571,6 @@
 </ct:contentTypeSchema>
 </file>
 
-<file path=customXml/item2.xml><?xml version="1.0" encoding="utf-8"?>
-<p:properties xmlns:p="http://schemas.microsoft.com/office/2006/metadata/properties" xmlns:xsi="http://www.w3.org/2001/XMLSchema-instance" xmlns:pc="http://schemas.microsoft.com/office/infopath/2007/PartnerControls">
-  <documentManagement>
-    <Status xmlns="71af3243-3dd4-4a8d-8c0d-dd76da1f02a5">Not started</Status>
-    <MediaServiceKeyPoints xmlns="71af3243-3dd4-4a8d-8c0d-dd76da1f02a5" xsi:nil="true"/>
-  </documentManagement>
-</p:properties>
-</file>
-
 <file path=customXml/item3.xml><?xml version="1.0" encoding="utf-8"?>
 <?mso-contentType ?>
 <FormTemplates xmlns="http://schemas.microsoft.com/sharepoint/v3/contenttype/forms">
@@ -9335,6 +9581,16 @@
 </file>
 
 <file path=customXml/itemProps1.xml><?xml version="1.0" encoding="utf-8"?>
+<ds:datastoreItem xmlns:ds="http://schemas.openxmlformats.org/officeDocument/2006/customXml" ds:itemID="{2C4C00F4-06E9-43E3-AD97-88A857CEFA82}">
+  <ds:schemaRefs>
+    <ds:schemaRef ds:uri="http://schemas.microsoft.com/office/2006/metadata/properties"/>
+    <ds:schemaRef ds:uri="http://schemas.microsoft.com/office/infopath/2007/PartnerControls"/>
+    <ds:schemaRef ds:uri="71af3243-3dd4-4a8d-8c0d-dd76da1f02a5"/>
+  </ds:schemaRefs>
+</ds:datastoreItem>
+</file>
+
+<file path=customXml/itemProps2.xml><?xml version="1.0" encoding="utf-8"?>
 <ds:datastoreItem xmlns:ds="http://schemas.openxmlformats.org/officeDocument/2006/customXml" ds:itemID="{0585E981-8C91-4205-A0C3-C991F42B4C9E}">
   <ds:schemaRefs>
     <ds:schemaRef ds:uri="http://schemas.microsoft.com/office/2006/metadata/contentType"/>
@@ -9353,16 +9609,6 @@
 </ds:datastoreItem>
 </file>
 
-<file path=customXml/itemProps2.xml><?xml version="1.0" encoding="utf-8"?>
-<ds:datastoreItem xmlns:ds="http://schemas.openxmlformats.org/officeDocument/2006/customXml" ds:itemID="{2C4C00F4-06E9-43E3-AD97-88A857CEFA82}">
-  <ds:schemaRefs>
-    <ds:schemaRef ds:uri="http://schemas.microsoft.com/office/2006/metadata/properties"/>
-    <ds:schemaRef ds:uri="http://schemas.microsoft.com/office/infopath/2007/PartnerControls"/>
-    <ds:schemaRef ds:uri="71af3243-3dd4-4a8d-8c0d-dd76da1f02a5"/>
-  </ds:schemaRefs>
-</ds:datastoreItem>
-</file>
-
 <file path=customXml/itemProps3.xml><?xml version="1.0" encoding="utf-8"?>
 <ds:datastoreItem xmlns:ds="http://schemas.openxmlformats.org/officeDocument/2006/customXml" ds:itemID="{64B270AB-C138-415C-897E-3C24487DECF1}">
   <ds:schemaRefs>
